--- a/ISORC2017/figure/SendReceive.pptx
+++ b/ISORC2017/figure/SendReceive.pptx
@@ -197,7 +197,7 @@
           <a:p>
             <a:fld id="{00D06802-B8EF-4FD8-9511-F1F928CF3A55}" type="datetimeFigureOut">
               <a:rPr kumimoji="1" lang="ja-JP" altLang="en-US" smtClean="0"/>
-              <a:t>2016/12/12</a:t>
+              <a:t>2017/1/24</a:t>
             </a:fld>
             <a:endParaRPr kumimoji="1" lang="ja-JP" altLang="en-US"/>
           </a:p>
@@ -628,7 +628,7 @@
           <a:p>
             <a:fld id="{AA641DB4-C951-4763-94FC-F650C3AA7E65}" type="datetimeFigureOut">
               <a:rPr kumimoji="1" lang="ja-JP" altLang="en-US" smtClean="0"/>
-              <a:t>2016/12/12</a:t>
+              <a:t>2017/1/24</a:t>
             </a:fld>
             <a:endParaRPr kumimoji="1" lang="ja-JP" altLang="en-US"/>
           </a:p>
@@ -830,7 +830,7 @@
           <a:p>
             <a:fld id="{AA641DB4-C951-4763-94FC-F650C3AA7E65}" type="datetimeFigureOut">
               <a:rPr kumimoji="1" lang="ja-JP" altLang="en-US" smtClean="0"/>
-              <a:t>2016/12/12</a:t>
+              <a:t>2017/1/24</a:t>
             </a:fld>
             <a:endParaRPr kumimoji="1" lang="ja-JP" altLang="en-US"/>
           </a:p>
@@ -1042,7 +1042,7 @@
           <a:p>
             <a:fld id="{AA641DB4-C951-4763-94FC-F650C3AA7E65}" type="datetimeFigureOut">
               <a:rPr kumimoji="1" lang="ja-JP" altLang="en-US" smtClean="0"/>
-              <a:t>2016/12/12</a:t>
+              <a:t>2017/1/24</a:t>
             </a:fld>
             <a:endParaRPr kumimoji="1" lang="ja-JP" altLang="en-US"/>
           </a:p>
@@ -1244,7 +1244,7 @@
           <a:p>
             <a:fld id="{AA641DB4-C951-4763-94FC-F650C3AA7E65}" type="datetimeFigureOut">
               <a:rPr kumimoji="1" lang="ja-JP" altLang="en-US" smtClean="0"/>
-              <a:t>2016/12/12</a:t>
+              <a:t>2017/1/24</a:t>
             </a:fld>
             <a:endParaRPr kumimoji="1" lang="ja-JP" altLang="en-US"/>
           </a:p>
@@ -1490,7 +1490,7 @@
           <a:p>
             <a:fld id="{AA641DB4-C951-4763-94FC-F650C3AA7E65}" type="datetimeFigureOut">
               <a:rPr kumimoji="1" lang="ja-JP" altLang="en-US" smtClean="0"/>
-              <a:t>2016/12/12</a:t>
+              <a:t>2017/1/24</a:t>
             </a:fld>
             <a:endParaRPr kumimoji="1" lang="ja-JP" altLang="en-US"/>
           </a:p>
@@ -1786,7 +1786,7 @@
           <a:p>
             <a:fld id="{AA641DB4-C951-4763-94FC-F650C3AA7E65}" type="datetimeFigureOut">
               <a:rPr kumimoji="1" lang="ja-JP" altLang="en-US" smtClean="0"/>
-              <a:t>2016/12/12</a:t>
+              <a:t>2017/1/24</a:t>
             </a:fld>
             <a:endParaRPr kumimoji="1" lang="ja-JP" altLang="en-US"/>
           </a:p>
@@ -2217,7 +2217,7 @@
           <a:p>
             <a:fld id="{AA641DB4-C951-4763-94FC-F650C3AA7E65}" type="datetimeFigureOut">
               <a:rPr kumimoji="1" lang="ja-JP" altLang="en-US" smtClean="0"/>
-              <a:t>2016/12/12</a:t>
+              <a:t>2017/1/24</a:t>
             </a:fld>
             <a:endParaRPr kumimoji="1" lang="ja-JP" altLang="en-US"/>
           </a:p>
@@ -2335,7 +2335,7 @@
           <a:p>
             <a:fld id="{AA641DB4-C951-4763-94FC-F650C3AA7E65}" type="datetimeFigureOut">
               <a:rPr kumimoji="1" lang="ja-JP" altLang="en-US" smtClean="0"/>
-              <a:t>2016/12/12</a:t>
+              <a:t>2017/1/24</a:t>
             </a:fld>
             <a:endParaRPr kumimoji="1" lang="ja-JP" altLang="en-US"/>
           </a:p>
@@ -2430,7 +2430,7 @@
           <a:p>
             <a:fld id="{AA641DB4-C951-4763-94FC-F650C3AA7E65}" type="datetimeFigureOut">
               <a:rPr kumimoji="1" lang="ja-JP" altLang="en-US" smtClean="0"/>
-              <a:t>2016/12/12</a:t>
+              <a:t>2017/1/24</a:t>
             </a:fld>
             <a:endParaRPr kumimoji="1" lang="ja-JP" altLang="en-US"/>
           </a:p>
@@ -2739,7 +2739,7 @@
           <a:p>
             <a:fld id="{AA641DB4-C951-4763-94FC-F650C3AA7E65}" type="datetimeFigureOut">
               <a:rPr kumimoji="1" lang="ja-JP" altLang="en-US" smtClean="0"/>
-              <a:t>2016/12/12</a:t>
+              <a:t>2017/1/24</a:t>
             </a:fld>
             <a:endParaRPr kumimoji="1" lang="ja-JP" altLang="en-US"/>
           </a:p>
@@ -2992,7 +2992,7 @@
           <a:p>
             <a:fld id="{AA641DB4-C951-4763-94FC-F650C3AA7E65}" type="datetimeFigureOut">
               <a:rPr kumimoji="1" lang="ja-JP" altLang="en-US" smtClean="0"/>
-              <a:t>2016/12/12</a:t>
+              <a:t>2017/1/24</a:t>
             </a:fld>
             <a:endParaRPr kumimoji="1" lang="ja-JP" altLang="en-US"/>
           </a:p>
@@ -3237,7 +3237,7 @@
           <a:p>
             <a:fld id="{AA641DB4-C951-4763-94FC-F650C3AA7E65}" type="datetimeFigureOut">
               <a:rPr kumimoji="1" lang="ja-JP" altLang="en-US" smtClean="0"/>
-              <a:t>2016/12/12</a:t>
+              <a:t>2017/1/24</a:t>
             </a:fld>
             <a:endParaRPr kumimoji="1" lang="ja-JP" altLang="en-US"/>
           </a:p>
@@ -3650,8 +3650,8 @@
         </p:nvGrpSpPr>
         <p:grpSpPr>
           <a:xfrm>
-            <a:off x="655863" y="1118785"/>
-            <a:ext cx="4439558" cy="1145443"/>
+            <a:off x="177800" y="859044"/>
+            <a:ext cx="5702300" cy="1534875"/>
             <a:chOff x="348342" y="1873529"/>
             <a:chExt cx="4439558" cy="1120630"/>
           </a:xfrm>
@@ -3699,7 +3699,7 @@
             </a:bodyPr>
             <a:lstStyle/>
             <a:p>
-              <a:pPr marL="457200" indent="-457200" algn="ctr" defTabSz="914342" fontAlgn="base">
+              <a:pPr defTabSz="914342" fontAlgn="base">
                 <a:lnSpc>
                   <a:spcPct val="90000"/>
                 </a:lnSpc>
@@ -3709,10 +3709,20 @@
                 <a:spcAft>
                   <a:spcPct val="0"/>
                 </a:spcAft>
-                <a:buAutoNum type="arabicPeriod"/>
               </a:pPr>
               <a:r>
-                <a:rPr lang="en-US" altLang="ja-JP" sz="2000" dirty="0" err="1" smtClean="0">
+                <a:rPr lang="en-US" altLang="ja-JP" sz="2800" dirty="0" smtClean="0">
+                  <a:solidFill>
+                    <a:schemeClr val="tx1"/>
+                  </a:solidFill>
+                  <a:latin typeface="メイリオ" panose="020B0604030504040204" pitchFamily="50" charset="-128"/>
+                  <a:ea typeface="メイリオ" panose="020B0604030504040204" pitchFamily="50" charset="-128"/>
+                  <a:cs typeface="メイリオ" pitchFamily="50" charset="-128"/>
+                </a:rPr>
+                <a:t>  1. </a:t>
+              </a:r>
+              <a:r>
+                <a:rPr lang="en-US" altLang="ja-JP" sz="2800" dirty="0" err="1" smtClean="0">
                   <a:solidFill>
                     <a:schemeClr val="tx1"/>
                   </a:solidFill>
@@ -3723,7 +3733,7 @@
                 <a:t>alloc</a:t>
               </a:r>
               <a:r>
-                <a:rPr lang="en-US" altLang="ja-JP" sz="2000" dirty="0" smtClean="0">
+                <a:rPr lang="en-US" altLang="ja-JP" sz="2800" dirty="0" smtClean="0">
                   <a:solidFill>
                     <a:schemeClr val="tx1"/>
                   </a:solidFill>
@@ -3735,51 +3745,7 @@
               </a:r>
             </a:p>
             <a:p>
-              <a:pPr marL="457200" indent="-457200" algn="ctr" defTabSz="914342" fontAlgn="base">
-                <a:lnSpc>
-                  <a:spcPct val="90000"/>
-                </a:lnSpc>
-                <a:spcBef>
-                  <a:spcPct val="20000"/>
-                </a:spcBef>
-                <a:spcAft>
-                  <a:spcPct val="0"/>
-                </a:spcAft>
-                <a:buAutoNum type="arabicPeriod"/>
-              </a:pPr>
-              <a:r>
-                <a:rPr lang="en-US" altLang="ja-JP" sz="2000" dirty="0" err="1" smtClean="0">
-                  <a:solidFill>
-                    <a:schemeClr val="tx1"/>
-                  </a:solidFill>
-                  <a:latin typeface="メイリオ" panose="020B0604030504040204" pitchFamily="50" charset="-128"/>
-                  <a:ea typeface="メイリオ" panose="020B0604030504040204" pitchFamily="50" charset="-128"/>
-                  <a:cs typeface="メイリオ" pitchFamily="50" charset="-128"/>
-                </a:rPr>
-                <a:t>func</a:t>
-              </a:r>
-              <a:r>
-                <a:rPr lang="en-US" altLang="ja-JP" sz="2000" dirty="0" smtClean="0">
-                  <a:solidFill>
-                    <a:schemeClr val="tx1"/>
-                  </a:solidFill>
-                  <a:latin typeface="メイリオ" panose="020B0604030504040204" pitchFamily="50" charset="-128"/>
-                  <a:ea typeface="メイリオ" panose="020B0604030504040204" pitchFamily="50" charset="-128"/>
-                  <a:cs typeface="メイリオ" pitchFamily="50" charset="-128"/>
-                </a:rPr>
-                <a:t>()</a:t>
-              </a:r>
-              <a:endParaRPr lang="en-US" altLang="ja-JP" sz="2000" dirty="0">
-                <a:solidFill>
-                  <a:schemeClr val="tx1"/>
-                </a:solidFill>
-                <a:latin typeface="メイリオ" panose="020B0604030504040204" pitchFamily="50" charset="-128"/>
-                <a:ea typeface="メイリオ" panose="020B0604030504040204" pitchFamily="50" charset="-128"/>
-                <a:cs typeface="メイリオ" pitchFamily="50" charset="-128"/>
-              </a:endParaRPr>
-            </a:p>
-            <a:p>
-              <a:pPr algn="ctr" defTabSz="914342" fontAlgn="base">
+              <a:pPr defTabSz="914342" fontAlgn="base">
                 <a:lnSpc>
                   <a:spcPct val="90000"/>
                 </a:lnSpc>
@@ -3791,7 +3757,7 @@
                 </a:spcAft>
               </a:pPr>
               <a:r>
-                <a:rPr lang="en-US" altLang="ja-JP" sz="2000" dirty="0" smtClean="0">
+                <a:rPr lang="en-US" altLang="ja-JP" sz="2800" dirty="0" smtClean="0">
                   <a:solidFill>
                     <a:schemeClr val="tx1"/>
                   </a:solidFill>
@@ -3799,10 +3765,75 @@
                   <a:ea typeface="メイリオ" panose="020B0604030504040204" pitchFamily="50" charset="-128"/>
                   <a:cs typeface="メイリオ" pitchFamily="50" charset="-128"/>
                 </a:rPr>
-                <a:t>4. </a:t>
+                <a:t>  2. </a:t>
               </a:r>
               <a:r>
-                <a:rPr lang="en-US" altLang="ja-JP" sz="2000" dirty="0" err="1" smtClean="0">
+                <a:rPr lang="en-US" altLang="ja-JP" sz="2800" dirty="0" err="1" smtClean="0">
+                  <a:solidFill>
+                    <a:schemeClr val="tx1"/>
+                  </a:solidFill>
+                  <a:latin typeface="メイリオ" panose="020B0604030504040204" pitchFamily="50" charset="-128"/>
+                  <a:ea typeface="メイリオ" panose="020B0604030504040204" pitchFamily="50" charset="-128"/>
+                  <a:cs typeface="メイリオ" pitchFamily="50" charset="-128"/>
+                </a:rPr>
+                <a:t>func</a:t>
+              </a:r>
+              <a:r>
+                <a:rPr lang="en-US" altLang="ja-JP" sz="2800" dirty="0" smtClean="0">
+                  <a:solidFill>
+                    <a:schemeClr val="tx1"/>
+                  </a:solidFill>
+                  <a:latin typeface="メイリオ" panose="020B0604030504040204" pitchFamily="50" charset="-128"/>
+                  <a:ea typeface="メイリオ" panose="020B0604030504040204" pitchFamily="50" charset="-128"/>
+                  <a:cs typeface="メイリオ" pitchFamily="50" charset="-128"/>
+                </a:rPr>
+                <a:t>()</a:t>
+              </a:r>
+              <a:endParaRPr lang="en-US" altLang="ja-JP" sz="2800" dirty="0">
+                <a:solidFill>
+                  <a:schemeClr val="tx1"/>
+                </a:solidFill>
+                <a:latin typeface="メイリオ" panose="020B0604030504040204" pitchFamily="50" charset="-128"/>
+                <a:ea typeface="メイリオ" panose="020B0604030504040204" pitchFamily="50" charset="-128"/>
+                <a:cs typeface="メイリオ" pitchFamily="50" charset="-128"/>
+              </a:endParaRPr>
+            </a:p>
+            <a:p>
+              <a:pPr defTabSz="914342" fontAlgn="base">
+                <a:lnSpc>
+                  <a:spcPct val="90000"/>
+                </a:lnSpc>
+                <a:spcBef>
+                  <a:spcPct val="20000"/>
+                </a:spcBef>
+                <a:spcAft>
+                  <a:spcPct val="0"/>
+                </a:spcAft>
+              </a:pPr>
+              <a:r>
+                <a:rPr lang="en-US" altLang="ja-JP" sz="2800" dirty="0" smtClean="0">
+                  <a:solidFill>
+                    <a:schemeClr val="tx1"/>
+                  </a:solidFill>
+                  <a:latin typeface="メイリオ" panose="020B0604030504040204" pitchFamily="50" charset="-128"/>
+                  <a:ea typeface="メイリオ" panose="020B0604030504040204" pitchFamily="50" charset="-128"/>
+                  <a:cs typeface="メイリオ" pitchFamily="50" charset="-128"/>
+                </a:rPr>
+                <a:t>  4</a:t>
+              </a:r>
+              <a:r>
+                <a:rPr lang="en-US" altLang="ja-JP" sz="2800" dirty="0" smtClean="0">
+                  <a:solidFill>
+                    <a:schemeClr val="tx1"/>
+                  </a:solidFill>
+                  <a:latin typeface="メイリオ" panose="020B0604030504040204" pitchFamily="50" charset="-128"/>
+                  <a:ea typeface="メイリオ" panose="020B0604030504040204" pitchFamily="50" charset="-128"/>
+                  <a:cs typeface="メイリオ" pitchFamily="50" charset="-128"/>
+                </a:rPr>
+                <a:t>. </a:t>
+              </a:r>
+              <a:r>
+                <a:rPr lang="en-US" altLang="ja-JP" sz="2800" dirty="0" err="1" smtClean="0">
                   <a:solidFill>
                     <a:schemeClr val="tx1"/>
                   </a:solidFill>
@@ -3813,7 +3844,7 @@
                 <a:t>dealloc</a:t>
               </a:r>
               <a:r>
-                <a:rPr lang="en-US" altLang="ja-JP" sz="2000" dirty="0" smtClean="0">
+                <a:rPr lang="en-US" altLang="ja-JP" sz="2800" dirty="0" smtClean="0">
                   <a:solidFill>
                     <a:schemeClr val="tx1"/>
                   </a:solidFill>
@@ -3881,7 +3912,7 @@
                 </a:spcAft>
               </a:pPr>
               <a:r>
-                <a:rPr lang="en-US" altLang="ja-JP" sz="2000" dirty="0" smtClean="0">
+                <a:rPr lang="en-US" altLang="ja-JP" sz="2800" dirty="0" smtClean="0">
                   <a:solidFill>
                     <a:schemeClr val="tx1"/>
                   </a:solidFill>
@@ -3891,7 +3922,7 @@
                 </a:rPr>
                 <a:t>3. exec()</a:t>
               </a:r>
-              <a:endParaRPr lang="ja-JP" altLang="en-US" sz="2000" dirty="0">
+              <a:endParaRPr lang="ja-JP" altLang="en-US" sz="2800" dirty="0">
                 <a:solidFill>
                   <a:schemeClr val="tx1"/>
                 </a:solidFill>
@@ -4239,8 +4270,8 @@
         </p:nvGrpSpPr>
         <p:grpSpPr>
           <a:xfrm>
-            <a:off x="7096580" y="1118782"/>
-            <a:ext cx="4439558" cy="1145443"/>
+            <a:off x="6313717" y="859041"/>
+            <a:ext cx="5702300" cy="1534875"/>
             <a:chOff x="348342" y="1873529"/>
             <a:chExt cx="4439558" cy="1120630"/>
           </a:xfrm>
@@ -4288,7 +4319,7 @@
             </a:bodyPr>
             <a:lstStyle/>
             <a:p>
-              <a:pPr marL="457200" indent="-457200" algn="ctr" defTabSz="914342" fontAlgn="base">
+              <a:pPr defTabSz="914342" fontAlgn="base">
                 <a:lnSpc>
                   <a:spcPct val="90000"/>
                 </a:lnSpc>
@@ -4298,10 +4329,20 @@
                 <a:spcAft>
                   <a:spcPct val="0"/>
                 </a:spcAft>
-                <a:buAutoNum type="arabicPeriod"/>
               </a:pPr>
               <a:r>
-                <a:rPr lang="en-US" altLang="ja-JP" sz="2000" dirty="0" err="1" smtClean="0">
+                <a:rPr lang="en-US" altLang="ja-JP" sz="2800" dirty="0" smtClean="0">
+                  <a:solidFill>
+                    <a:schemeClr val="tx1"/>
+                  </a:solidFill>
+                  <a:latin typeface="メイリオ" panose="020B0604030504040204" pitchFamily="50" charset="-128"/>
+                  <a:ea typeface="メイリオ" panose="020B0604030504040204" pitchFamily="50" charset="-128"/>
+                  <a:cs typeface="メイリオ" pitchFamily="50" charset="-128"/>
+                </a:rPr>
+                <a:t>  1. </a:t>
+              </a:r>
+              <a:r>
+                <a:rPr lang="en-US" altLang="ja-JP" sz="2800" dirty="0" err="1" smtClean="0">
                   <a:solidFill>
                     <a:schemeClr val="tx1"/>
                   </a:solidFill>
@@ -4312,7 +4353,7 @@
                 <a:t>alloc</a:t>
               </a:r>
               <a:r>
-                <a:rPr lang="en-US" altLang="ja-JP" sz="2000" dirty="0" smtClean="0">
+                <a:rPr lang="en-US" altLang="ja-JP" sz="2800" dirty="0" smtClean="0">
                   <a:solidFill>
                     <a:schemeClr val="tx1"/>
                   </a:solidFill>
@@ -4324,7 +4365,7 @@
               </a:r>
             </a:p>
             <a:p>
-              <a:pPr marL="457200" indent="-457200" algn="ctr" defTabSz="914342" fontAlgn="base">
+              <a:pPr defTabSz="914342" fontAlgn="base">
                 <a:lnSpc>
                   <a:spcPct val="90000"/>
                 </a:lnSpc>
@@ -4334,10 +4375,20 @@
                 <a:spcAft>
                   <a:spcPct val="0"/>
                 </a:spcAft>
-                <a:buAutoNum type="arabicPeriod"/>
               </a:pPr>
               <a:r>
-                <a:rPr lang="en-US" altLang="ja-JP" sz="2000" dirty="0" err="1" smtClean="0">
+                <a:rPr lang="en-US" altLang="ja-JP" sz="2800" dirty="0" smtClean="0">
+                  <a:solidFill>
+                    <a:schemeClr val="tx1"/>
+                  </a:solidFill>
+                  <a:latin typeface="メイリオ" panose="020B0604030504040204" pitchFamily="50" charset="-128"/>
+                  <a:ea typeface="メイリオ" panose="020B0604030504040204" pitchFamily="50" charset="-128"/>
+                  <a:cs typeface="メイリオ" pitchFamily="50" charset="-128"/>
+                </a:rPr>
+                <a:t>  2. </a:t>
+              </a:r>
+              <a:r>
+                <a:rPr lang="en-US" altLang="ja-JP" sz="2800" dirty="0" err="1" smtClean="0">
                   <a:solidFill>
                     <a:schemeClr val="tx1"/>
                   </a:solidFill>
@@ -4348,7 +4399,7 @@
                 <a:t>func</a:t>
               </a:r>
               <a:r>
-                <a:rPr lang="en-US" altLang="ja-JP" sz="2000" dirty="0" smtClean="0">
+                <a:rPr lang="en-US" altLang="ja-JP" sz="2800" dirty="0" smtClean="0">
                   <a:solidFill>
                     <a:schemeClr val="tx1"/>
                   </a:solidFill>
@@ -4358,7 +4409,7 @@
                 </a:rPr>
                 <a:t>()</a:t>
               </a:r>
-              <a:endParaRPr lang="en-US" altLang="ja-JP" sz="2000" dirty="0">
+              <a:endParaRPr lang="en-US" altLang="ja-JP" sz="2800" dirty="0">
                 <a:solidFill>
                   <a:schemeClr val="tx1"/>
                 </a:solidFill>
@@ -4412,7 +4463,7 @@
             </a:bodyPr>
             <a:lstStyle/>
             <a:p>
-              <a:pPr algn="ctr" defTabSz="914342" fontAlgn="base">
+              <a:pPr defTabSz="914342" fontAlgn="base">
                 <a:lnSpc>
                   <a:spcPct val="90000"/>
                 </a:lnSpc>
@@ -4424,7 +4475,7 @@
                 </a:spcAft>
               </a:pPr>
               <a:r>
-                <a:rPr lang="en-US" altLang="ja-JP" sz="2000" dirty="0" smtClean="0">
+                <a:rPr lang="en-US" altLang="ja-JP" sz="2800" dirty="0" smtClean="0">
                   <a:solidFill>
                     <a:schemeClr val="tx1"/>
                   </a:solidFill>
@@ -4432,11 +4483,22 @@
                   <a:ea typeface="メイリオ" panose="020B0604030504040204" pitchFamily="50" charset="-128"/>
                   <a:cs typeface="メイリオ" pitchFamily="50" charset="-128"/>
                 </a:rPr>
-                <a:t>3. exec()</a:t>
+                <a:t>  3</a:t>
+              </a:r>
+              <a:r>
+                <a:rPr lang="en-US" altLang="ja-JP" sz="2800" dirty="0" smtClean="0">
+                  <a:solidFill>
+                    <a:schemeClr val="tx1"/>
+                  </a:solidFill>
+                  <a:latin typeface="メイリオ" panose="020B0604030504040204" pitchFamily="50" charset="-128"/>
+                  <a:ea typeface="メイリオ" panose="020B0604030504040204" pitchFamily="50" charset="-128"/>
+                  <a:cs typeface="メイリオ" pitchFamily="50" charset="-128"/>
+                </a:rPr>
+                <a:t>. exec()</a:t>
               </a:r>
             </a:p>
             <a:p>
-              <a:pPr algn="ctr" defTabSz="914342" fontAlgn="base">
+              <a:pPr defTabSz="914342" fontAlgn="base">
                 <a:lnSpc>
                   <a:spcPct val="90000"/>
                 </a:lnSpc>
@@ -4448,7 +4510,7 @@
                 </a:spcAft>
               </a:pPr>
               <a:r>
-                <a:rPr lang="en-US" altLang="ja-JP" sz="2000" dirty="0">
+                <a:rPr lang="en-US" altLang="ja-JP" sz="2800" dirty="0" smtClean="0">
                   <a:solidFill>
                     <a:schemeClr val="tx1"/>
                   </a:solidFill>
@@ -4456,10 +4518,21 @@
                   <a:ea typeface="メイリオ" panose="020B0604030504040204" pitchFamily="50" charset="-128"/>
                   <a:cs typeface="メイリオ" pitchFamily="50" charset="-128"/>
                 </a:rPr>
-                <a:t>4. </a:t>
+                <a:t>  4</a:t>
               </a:r>
               <a:r>
-                <a:rPr lang="en-US" altLang="ja-JP" sz="2000" dirty="0" err="1">
+                <a:rPr lang="en-US" altLang="ja-JP" sz="2800" dirty="0">
+                  <a:solidFill>
+                    <a:schemeClr val="tx1"/>
+                  </a:solidFill>
+                  <a:latin typeface="メイリオ" panose="020B0604030504040204" pitchFamily="50" charset="-128"/>
+                  <a:ea typeface="メイリオ" panose="020B0604030504040204" pitchFamily="50" charset="-128"/>
+                  <a:cs typeface="メイリオ" pitchFamily="50" charset="-128"/>
+                </a:rPr>
+                <a:t>. </a:t>
+              </a:r>
+              <a:r>
+                <a:rPr lang="en-US" altLang="ja-JP" sz="2800" dirty="0" err="1">
                   <a:solidFill>
                     <a:schemeClr val="tx1"/>
                   </a:solidFill>
@@ -4470,7 +4543,7 @@
                 <a:t>dealloc</a:t>
               </a:r>
               <a:r>
-                <a:rPr lang="en-US" altLang="ja-JP" sz="2000" dirty="0" smtClean="0">
+                <a:rPr lang="en-US" altLang="ja-JP" sz="2800" dirty="0" smtClean="0">
                   <a:solidFill>
                     <a:schemeClr val="tx1"/>
                   </a:solidFill>
@@ -4480,7 +4553,7 @@
                 </a:rPr>
                 <a:t>()</a:t>
               </a:r>
-              <a:endParaRPr lang="en-US" altLang="ja-JP" sz="2000" dirty="0">
+              <a:endParaRPr lang="en-US" altLang="ja-JP" sz="2800" dirty="0">
                 <a:solidFill>
                   <a:schemeClr val="tx1"/>
                 </a:solidFill>
@@ -4832,8 +4905,8 @@
         </p:nvGrpSpPr>
         <p:grpSpPr>
           <a:xfrm>
-            <a:off x="655863" y="4510314"/>
-            <a:ext cx="4439558" cy="1145443"/>
+            <a:off x="177800" y="4250573"/>
+            <a:ext cx="5702300" cy="1534875"/>
             <a:chOff x="348342" y="1873529"/>
             <a:chExt cx="4439558" cy="1120630"/>
           </a:xfrm>
@@ -4881,7 +4954,7 @@
             </a:bodyPr>
             <a:lstStyle/>
             <a:p>
-              <a:pPr marL="457200" indent="-457200" algn="ctr" defTabSz="914342" fontAlgn="base">
+              <a:pPr defTabSz="914342" fontAlgn="base">
                 <a:lnSpc>
                   <a:spcPct val="90000"/>
                 </a:lnSpc>
@@ -4891,10 +4964,20 @@
                 <a:spcAft>
                   <a:spcPct val="0"/>
                 </a:spcAft>
-                <a:buAutoNum type="arabicPeriod"/>
               </a:pPr>
               <a:r>
-                <a:rPr lang="en-US" altLang="ja-JP" sz="2000" dirty="0" err="1" smtClean="0">
+                <a:rPr lang="en-US" altLang="ja-JP" sz="2800" dirty="0" smtClean="0">
+                  <a:solidFill>
+                    <a:schemeClr val="tx1"/>
+                  </a:solidFill>
+                  <a:latin typeface="メイリオ" panose="020B0604030504040204" pitchFamily="50" charset="-128"/>
+                  <a:ea typeface="メイリオ" panose="020B0604030504040204" pitchFamily="50" charset="-128"/>
+                  <a:cs typeface="メイリオ" pitchFamily="50" charset="-128"/>
+                </a:rPr>
+                <a:t>  1. </a:t>
+              </a:r>
+              <a:r>
+                <a:rPr lang="en-US" altLang="ja-JP" sz="2800" dirty="0" err="1" smtClean="0">
                   <a:solidFill>
                     <a:schemeClr val="tx1"/>
                   </a:solidFill>
@@ -4905,7 +4988,7 @@
                 <a:t>alloc</a:t>
               </a:r>
               <a:r>
-                <a:rPr lang="en-US" altLang="ja-JP" sz="2000" dirty="0" smtClean="0">
+                <a:rPr lang="en-US" altLang="ja-JP" sz="2800" dirty="0" smtClean="0">
                   <a:solidFill>
                     <a:schemeClr val="tx1"/>
                   </a:solidFill>
@@ -4917,51 +5000,7 @@
               </a:r>
             </a:p>
             <a:p>
-              <a:pPr marL="457200" indent="-457200" algn="ctr" defTabSz="914342" fontAlgn="base">
-                <a:lnSpc>
-                  <a:spcPct val="90000"/>
-                </a:lnSpc>
-                <a:spcBef>
-                  <a:spcPct val="20000"/>
-                </a:spcBef>
-                <a:spcAft>
-                  <a:spcPct val="0"/>
-                </a:spcAft>
-                <a:buAutoNum type="arabicPeriod"/>
-              </a:pPr>
-              <a:r>
-                <a:rPr lang="en-US" altLang="ja-JP" sz="2000" dirty="0" err="1" smtClean="0">
-                  <a:solidFill>
-                    <a:schemeClr val="tx1"/>
-                  </a:solidFill>
-                  <a:latin typeface="メイリオ" panose="020B0604030504040204" pitchFamily="50" charset="-128"/>
-                  <a:ea typeface="メイリオ" panose="020B0604030504040204" pitchFamily="50" charset="-128"/>
-                  <a:cs typeface="メイリオ" pitchFamily="50" charset="-128"/>
-                </a:rPr>
-                <a:t>func</a:t>
-              </a:r>
-              <a:r>
-                <a:rPr lang="en-US" altLang="ja-JP" sz="2000" dirty="0" smtClean="0">
-                  <a:solidFill>
-                    <a:schemeClr val="tx1"/>
-                  </a:solidFill>
-                  <a:latin typeface="メイリオ" panose="020B0604030504040204" pitchFamily="50" charset="-128"/>
-                  <a:ea typeface="メイリオ" panose="020B0604030504040204" pitchFamily="50" charset="-128"/>
-                  <a:cs typeface="メイリオ" pitchFamily="50" charset="-128"/>
-                </a:rPr>
-                <a:t>()</a:t>
-              </a:r>
-              <a:endParaRPr lang="en-US" altLang="ja-JP" sz="2000" dirty="0">
-                <a:solidFill>
-                  <a:schemeClr val="tx1"/>
-                </a:solidFill>
-                <a:latin typeface="メイリオ" panose="020B0604030504040204" pitchFamily="50" charset="-128"/>
-                <a:ea typeface="メイリオ" panose="020B0604030504040204" pitchFamily="50" charset="-128"/>
-                <a:cs typeface="メイリオ" pitchFamily="50" charset="-128"/>
-              </a:endParaRPr>
-            </a:p>
-            <a:p>
-              <a:pPr algn="ctr" defTabSz="914342" fontAlgn="base">
+              <a:pPr defTabSz="914342" fontAlgn="base">
                 <a:lnSpc>
                   <a:spcPct val="90000"/>
                 </a:lnSpc>
@@ -4973,7 +5012,7 @@
                 </a:spcAft>
               </a:pPr>
               <a:r>
-                <a:rPr lang="en-US" altLang="ja-JP" sz="2000" dirty="0" smtClean="0">
+                <a:rPr lang="en-US" altLang="ja-JP" sz="2800" dirty="0" smtClean="0">
                   <a:solidFill>
                     <a:schemeClr val="tx1"/>
                   </a:solidFill>
@@ -4981,10 +5020,75 @@
                   <a:ea typeface="メイリオ" panose="020B0604030504040204" pitchFamily="50" charset="-128"/>
                   <a:cs typeface="メイリオ" pitchFamily="50" charset="-128"/>
                 </a:rPr>
-                <a:t>4. </a:t>
+                <a:t>  2. </a:t>
               </a:r>
               <a:r>
-                <a:rPr lang="en-US" altLang="ja-JP" sz="2000" dirty="0" err="1" smtClean="0">
+                <a:rPr lang="en-US" altLang="ja-JP" sz="2800" dirty="0" err="1" smtClean="0">
+                  <a:solidFill>
+                    <a:schemeClr val="tx1"/>
+                  </a:solidFill>
+                  <a:latin typeface="メイリオ" panose="020B0604030504040204" pitchFamily="50" charset="-128"/>
+                  <a:ea typeface="メイリオ" panose="020B0604030504040204" pitchFamily="50" charset="-128"/>
+                  <a:cs typeface="メイリオ" pitchFamily="50" charset="-128"/>
+                </a:rPr>
+                <a:t>func</a:t>
+              </a:r>
+              <a:r>
+                <a:rPr lang="en-US" altLang="ja-JP" sz="2800" dirty="0" smtClean="0">
+                  <a:solidFill>
+                    <a:schemeClr val="tx1"/>
+                  </a:solidFill>
+                  <a:latin typeface="メイリオ" panose="020B0604030504040204" pitchFamily="50" charset="-128"/>
+                  <a:ea typeface="メイリオ" panose="020B0604030504040204" pitchFamily="50" charset="-128"/>
+                  <a:cs typeface="メイリオ" pitchFamily="50" charset="-128"/>
+                </a:rPr>
+                <a:t>()</a:t>
+              </a:r>
+              <a:endParaRPr lang="en-US" altLang="ja-JP" sz="2800" dirty="0">
+                <a:solidFill>
+                  <a:schemeClr val="tx1"/>
+                </a:solidFill>
+                <a:latin typeface="メイリオ" panose="020B0604030504040204" pitchFamily="50" charset="-128"/>
+                <a:ea typeface="メイリオ" panose="020B0604030504040204" pitchFamily="50" charset="-128"/>
+                <a:cs typeface="メイリオ" pitchFamily="50" charset="-128"/>
+              </a:endParaRPr>
+            </a:p>
+            <a:p>
+              <a:pPr defTabSz="914342" fontAlgn="base">
+                <a:lnSpc>
+                  <a:spcPct val="90000"/>
+                </a:lnSpc>
+                <a:spcBef>
+                  <a:spcPct val="20000"/>
+                </a:spcBef>
+                <a:spcAft>
+                  <a:spcPct val="0"/>
+                </a:spcAft>
+              </a:pPr>
+              <a:r>
+                <a:rPr lang="en-US" altLang="ja-JP" sz="2800" dirty="0" smtClean="0">
+                  <a:solidFill>
+                    <a:schemeClr val="tx1"/>
+                  </a:solidFill>
+                  <a:latin typeface="メイリオ" panose="020B0604030504040204" pitchFamily="50" charset="-128"/>
+                  <a:ea typeface="メイリオ" panose="020B0604030504040204" pitchFamily="50" charset="-128"/>
+                  <a:cs typeface="メイリオ" pitchFamily="50" charset="-128"/>
+                </a:rPr>
+                <a:t>  4</a:t>
+              </a:r>
+              <a:r>
+                <a:rPr lang="en-US" altLang="ja-JP" sz="2800" dirty="0" smtClean="0">
+                  <a:solidFill>
+                    <a:schemeClr val="tx1"/>
+                  </a:solidFill>
+                  <a:latin typeface="メイリオ" panose="020B0604030504040204" pitchFamily="50" charset="-128"/>
+                  <a:ea typeface="メイリオ" panose="020B0604030504040204" pitchFamily="50" charset="-128"/>
+                  <a:cs typeface="メイリオ" pitchFamily="50" charset="-128"/>
+                </a:rPr>
+                <a:t>. </a:t>
+              </a:r>
+              <a:r>
+                <a:rPr lang="en-US" altLang="ja-JP" sz="2800" dirty="0" err="1" smtClean="0">
                   <a:solidFill>
                     <a:schemeClr val="tx1"/>
                   </a:solidFill>
@@ -4995,7 +5099,7 @@
                 <a:t>dealloc</a:t>
               </a:r>
               <a:r>
-                <a:rPr lang="en-US" altLang="ja-JP" sz="2000" dirty="0" smtClean="0">
+                <a:rPr lang="en-US" altLang="ja-JP" sz="2800" dirty="0" smtClean="0">
                   <a:solidFill>
                     <a:schemeClr val="tx1"/>
                   </a:solidFill>
@@ -5063,7 +5167,7 @@
                 </a:spcAft>
               </a:pPr>
               <a:r>
-                <a:rPr lang="en-US" altLang="ja-JP" sz="2000" dirty="0" smtClean="0">
+                <a:rPr lang="en-US" altLang="ja-JP" sz="2800" dirty="0" smtClean="0">
                   <a:solidFill>
                     <a:schemeClr val="tx1"/>
                   </a:solidFill>
@@ -5073,7 +5177,7 @@
                 </a:rPr>
                 <a:t>3. exec()</a:t>
               </a:r>
-              <a:endParaRPr lang="ja-JP" altLang="en-US" sz="2000" dirty="0">
+              <a:endParaRPr lang="ja-JP" altLang="en-US" sz="2800" dirty="0">
                 <a:solidFill>
                   <a:schemeClr val="tx1"/>
                 </a:solidFill>
@@ -5347,8 +5451,8 @@
         </p:nvGrpSpPr>
         <p:grpSpPr>
           <a:xfrm>
-            <a:off x="7096580" y="4510311"/>
-            <a:ext cx="4439558" cy="1145443"/>
+            <a:off x="6313717" y="4250570"/>
+            <a:ext cx="5702300" cy="1534875"/>
             <a:chOff x="348342" y="1873529"/>
             <a:chExt cx="4439558" cy="1120630"/>
           </a:xfrm>
@@ -5396,7 +5500,7 @@
             </a:bodyPr>
             <a:lstStyle/>
             <a:p>
-              <a:pPr algn="ctr" defTabSz="914342" fontAlgn="base">
+              <a:pPr defTabSz="914342" fontAlgn="base">
                 <a:lnSpc>
                   <a:spcPct val="90000"/>
                 </a:lnSpc>
@@ -5408,7 +5512,7 @@
                 </a:spcAft>
               </a:pPr>
               <a:r>
-                <a:rPr lang="en-US" altLang="ja-JP" sz="2000" dirty="0" smtClean="0">
+                <a:rPr lang="en-US" altLang="ja-JP" sz="2800" dirty="0" smtClean="0">
                   <a:solidFill>
                     <a:schemeClr val="tx1"/>
                   </a:solidFill>
@@ -5416,10 +5520,21 @@
                   <a:ea typeface="メイリオ" panose="020B0604030504040204" pitchFamily="50" charset="-128"/>
                   <a:cs typeface="メイリオ" pitchFamily="50" charset="-128"/>
                 </a:rPr>
-                <a:t>1. </a:t>
+                <a:t>  1</a:t>
               </a:r>
               <a:r>
-                <a:rPr lang="en-US" altLang="ja-JP" sz="2000" dirty="0" err="1" smtClean="0">
+                <a:rPr lang="en-US" altLang="ja-JP" sz="2800" dirty="0" smtClean="0">
+                  <a:solidFill>
+                    <a:schemeClr val="tx1"/>
+                  </a:solidFill>
+                  <a:latin typeface="メイリオ" panose="020B0604030504040204" pitchFamily="50" charset="-128"/>
+                  <a:ea typeface="メイリオ" panose="020B0604030504040204" pitchFamily="50" charset="-128"/>
+                  <a:cs typeface="メイリオ" pitchFamily="50" charset="-128"/>
+                </a:rPr>
+                <a:t>. </a:t>
+              </a:r>
+              <a:r>
+                <a:rPr lang="en-US" altLang="ja-JP" sz="2800" dirty="0" err="1" smtClean="0">
                   <a:solidFill>
                     <a:schemeClr val="tx1"/>
                   </a:solidFill>
@@ -5430,7 +5545,7 @@
                 <a:t>func</a:t>
               </a:r>
               <a:r>
-                <a:rPr lang="en-US" altLang="ja-JP" sz="2000" dirty="0" smtClean="0">
+                <a:rPr lang="en-US" altLang="ja-JP" sz="2800" dirty="0" smtClean="0">
                   <a:solidFill>
                     <a:schemeClr val="tx1"/>
                   </a:solidFill>
@@ -5442,7 +5557,7 @@
               </a:r>
             </a:p>
             <a:p>
-              <a:pPr algn="ctr" defTabSz="914342" fontAlgn="base">
+              <a:pPr defTabSz="914342" fontAlgn="base">
                 <a:lnSpc>
                   <a:spcPct val="90000"/>
                 </a:lnSpc>
@@ -5454,7 +5569,7 @@
                 </a:spcAft>
               </a:pPr>
               <a:r>
-                <a:rPr lang="en-US" altLang="ja-JP" sz="2000" dirty="0" smtClean="0">
+                <a:rPr lang="en-US" altLang="ja-JP" sz="2800" dirty="0" smtClean="0">
                   <a:solidFill>
                     <a:schemeClr val="tx1"/>
                   </a:solidFill>
@@ -5462,10 +5577,21 @@
                   <a:ea typeface="メイリオ" panose="020B0604030504040204" pitchFamily="50" charset="-128"/>
                   <a:cs typeface="メイリオ" pitchFamily="50" charset="-128"/>
                 </a:rPr>
-                <a:t>4. </a:t>
+                <a:t>  4</a:t>
               </a:r>
               <a:r>
-                <a:rPr lang="en-US" altLang="ja-JP" sz="2000" dirty="0" err="1" smtClean="0">
+                <a:rPr lang="en-US" altLang="ja-JP" sz="2800" dirty="0" smtClean="0">
+                  <a:solidFill>
+                    <a:schemeClr val="tx1"/>
+                  </a:solidFill>
+                  <a:latin typeface="メイリオ" panose="020B0604030504040204" pitchFamily="50" charset="-128"/>
+                  <a:ea typeface="メイリオ" panose="020B0604030504040204" pitchFamily="50" charset="-128"/>
+                  <a:cs typeface="メイリオ" pitchFamily="50" charset="-128"/>
+                </a:rPr>
+                <a:t>. </a:t>
+              </a:r>
+              <a:r>
+                <a:rPr lang="en-US" altLang="ja-JP" sz="2800" dirty="0" err="1" smtClean="0">
                   <a:solidFill>
                     <a:schemeClr val="tx1"/>
                   </a:solidFill>
@@ -5475,7 +5601,7 @@
                 </a:rPr>
                 <a:t>dealloc</a:t>
               </a:r>
-              <a:endParaRPr lang="en-US" altLang="ja-JP" sz="2000" dirty="0" smtClean="0">
+              <a:endParaRPr lang="en-US" altLang="ja-JP" sz="2800" dirty="0" smtClean="0">
                 <a:solidFill>
                   <a:schemeClr val="tx1"/>
                 </a:solidFill>
@@ -5541,7 +5667,7 @@
                 </a:spcAft>
               </a:pPr>
               <a:r>
-                <a:rPr lang="en-US" altLang="ja-JP" sz="2000" dirty="0" smtClean="0">
+                <a:rPr lang="en-US" altLang="ja-JP" sz="2800" dirty="0" smtClean="0">
                   <a:solidFill>
                     <a:schemeClr val="tx1"/>
                   </a:solidFill>
@@ -5552,7 +5678,7 @@
                 <a:t>2. </a:t>
               </a:r>
               <a:r>
-                <a:rPr lang="en-US" altLang="ja-JP" sz="2000" dirty="0" err="1" smtClean="0">
+                <a:rPr lang="en-US" altLang="ja-JP" sz="2800" dirty="0" err="1" smtClean="0">
                   <a:solidFill>
                     <a:schemeClr val="tx1"/>
                   </a:solidFill>
@@ -5563,7 +5689,7 @@
                 <a:t>alloc</a:t>
               </a:r>
               <a:r>
-                <a:rPr lang="en-US" altLang="ja-JP" sz="2000" dirty="0" smtClean="0">
+                <a:rPr lang="en-US" altLang="ja-JP" sz="2800" dirty="0" smtClean="0">
                   <a:solidFill>
                     <a:schemeClr val="tx1"/>
                   </a:solidFill>
@@ -5587,7 +5713,7 @@
                 </a:spcAft>
               </a:pPr>
               <a:r>
-                <a:rPr lang="en-US" altLang="ja-JP" sz="2000" dirty="0" smtClean="0">
+                <a:rPr lang="en-US" altLang="ja-JP" sz="2800" dirty="0" smtClean="0">
                   <a:solidFill>
                     <a:schemeClr val="tx1"/>
                   </a:solidFill>
@@ -5595,9 +5721,31 @@
                   <a:ea typeface="メイリオ" panose="020B0604030504040204" pitchFamily="50" charset="-128"/>
                   <a:cs typeface="メイリオ" pitchFamily="50" charset="-128"/>
                 </a:rPr>
-                <a:t>3. exec()</a:t>
+                <a:t>3. </a:t>
               </a:r>
-              <a:endParaRPr lang="en-US" altLang="ja-JP" sz="2000" dirty="0">
+              <a:r>
+                <a:rPr lang="en-US" altLang="ja-JP" sz="2800" dirty="0" smtClean="0">
+                  <a:solidFill>
+                    <a:schemeClr val="tx1"/>
+                  </a:solidFill>
+                  <a:latin typeface="メイリオ" panose="020B0604030504040204" pitchFamily="50" charset="-128"/>
+                  <a:ea typeface="メイリオ" panose="020B0604030504040204" pitchFamily="50" charset="-128"/>
+                  <a:cs typeface="メイリオ" pitchFamily="50" charset="-128"/>
+                </a:rPr>
+                <a:t>exec</a:t>
+              </a:r>
+              <a:r>
+                <a:rPr lang="en-US" altLang="ja-JP" sz="2800" dirty="0" smtClean="0">
+                  <a:solidFill>
+                    <a:schemeClr val="tx1"/>
+                  </a:solidFill>
+                  <a:latin typeface="メイリオ" panose="020B0604030504040204" pitchFamily="50" charset="-128"/>
+                  <a:ea typeface="メイリオ" panose="020B0604030504040204" pitchFamily="50" charset="-128"/>
+                  <a:cs typeface="メイリオ" pitchFamily="50" charset="-128"/>
+                </a:rPr>
+                <a:t>()</a:t>
+              </a:r>
+              <a:endParaRPr lang="en-US" altLang="ja-JP" sz="2800" dirty="0">
                 <a:solidFill>
                   <a:schemeClr val="tx1"/>
                 </a:solidFill>

--- a/ISORC2017/figure/SendReceive.pptx
+++ b/ISORC2017/figure/SendReceive.pptx
@@ -197,7 +197,7 @@
           <a:p>
             <a:fld id="{00D06802-B8EF-4FD8-9511-F1F928CF3A55}" type="datetimeFigureOut">
               <a:rPr kumimoji="1" lang="ja-JP" altLang="en-US" smtClean="0"/>
-              <a:t>2017/1/24</a:t>
+              <a:t>2017/2/7</a:t>
             </a:fld>
             <a:endParaRPr kumimoji="1" lang="ja-JP" altLang="en-US"/>
           </a:p>
@@ -628,7 +628,7 @@
           <a:p>
             <a:fld id="{AA641DB4-C951-4763-94FC-F650C3AA7E65}" type="datetimeFigureOut">
               <a:rPr kumimoji="1" lang="ja-JP" altLang="en-US" smtClean="0"/>
-              <a:t>2017/1/24</a:t>
+              <a:t>2017/2/7</a:t>
             </a:fld>
             <a:endParaRPr kumimoji="1" lang="ja-JP" altLang="en-US"/>
           </a:p>
@@ -830,7 +830,7 @@
           <a:p>
             <a:fld id="{AA641DB4-C951-4763-94FC-F650C3AA7E65}" type="datetimeFigureOut">
               <a:rPr kumimoji="1" lang="ja-JP" altLang="en-US" smtClean="0"/>
-              <a:t>2017/1/24</a:t>
+              <a:t>2017/2/7</a:t>
             </a:fld>
             <a:endParaRPr kumimoji="1" lang="ja-JP" altLang="en-US"/>
           </a:p>
@@ -1042,7 +1042,7 @@
           <a:p>
             <a:fld id="{AA641DB4-C951-4763-94FC-F650C3AA7E65}" type="datetimeFigureOut">
               <a:rPr kumimoji="1" lang="ja-JP" altLang="en-US" smtClean="0"/>
-              <a:t>2017/1/24</a:t>
+              <a:t>2017/2/7</a:t>
             </a:fld>
             <a:endParaRPr kumimoji="1" lang="ja-JP" altLang="en-US"/>
           </a:p>
@@ -1244,7 +1244,7 @@
           <a:p>
             <a:fld id="{AA641DB4-C951-4763-94FC-F650C3AA7E65}" type="datetimeFigureOut">
               <a:rPr kumimoji="1" lang="ja-JP" altLang="en-US" smtClean="0"/>
-              <a:t>2017/1/24</a:t>
+              <a:t>2017/2/7</a:t>
             </a:fld>
             <a:endParaRPr kumimoji="1" lang="ja-JP" altLang="en-US"/>
           </a:p>
@@ -1490,7 +1490,7 @@
           <a:p>
             <a:fld id="{AA641DB4-C951-4763-94FC-F650C3AA7E65}" type="datetimeFigureOut">
               <a:rPr kumimoji="1" lang="ja-JP" altLang="en-US" smtClean="0"/>
-              <a:t>2017/1/24</a:t>
+              <a:t>2017/2/7</a:t>
             </a:fld>
             <a:endParaRPr kumimoji="1" lang="ja-JP" altLang="en-US"/>
           </a:p>
@@ -1786,7 +1786,7 @@
           <a:p>
             <a:fld id="{AA641DB4-C951-4763-94FC-F650C3AA7E65}" type="datetimeFigureOut">
               <a:rPr kumimoji="1" lang="ja-JP" altLang="en-US" smtClean="0"/>
-              <a:t>2017/1/24</a:t>
+              <a:t>2017/2/7</a:t>
             </a:fld>
             <a:endParaRPr kumimoji="1" lang="ja-JP" altLang="en-US"/>
           </a:p>
@@ -2217,7 +2217,7 @@
           <a:p>
             <a:fld id="{AA641DB4-C951-4763-94FC-F650C3AA7E65}" type="datetimeFigureOut">
               <a:rPr kumimoji="1" lang="ja-JP" altLang="en-US" smtClean="0"/>
-              <a:t>2017/1/24</a:t>
+              <a:t>2017/2/7</a:t>
             </a:fld>
             <a:endParaRPr kumimoji="1" lang="ja-JP" altLang="en-US"/>
           </a:p>
@@ -2335,7 +2335,7 @@
           <a:p>
             <a:fld id="{AA641DB4-C951-4763-94FC-F650C3AA7E65}" type="datetimeFigureOut">
               <a:rPr kumimoji="1" lang="ja-JP" altLang="en-US" smtClean="0"/>
-              <a:t>2017/1/24</a:t>
+              <a:t>2017/2/7</a:t>
             </a:fld>
             <a:endParaRPr kumimoji="1" lang="ja-JP" altLang="en-US"/>
           </a:p>
@@ -2430,7 +2430,7 @@
           <a:p>
             <a:fld id="{AA641DB4-C951-4763-94FC-F650C3AA7E65}" type="datetimeFigureOut">
               <a:rPr kumimoji="1" lang="ja-JP" altLang="en-US" smtClean="0"/>
-              <a:t>2017/1/24</a:t>
+              <a:t>2017/2/7</a:t>
             </a:fld>
             <a:endParaRPr kumimoji="1" lang="ja-JP" altLang="en-US"/>
           </a:p>
@@ -2739,7 +2739,7 @@
           <a:p>
             <a:fld id="{AA641DB4-C951-4763-94FC-F650C3AA7E65}" type="datetimeFigureOut">
               <a:rPr kumimoji="1" lang="ja-JP" altLang="en-US" smtClean="0"/>
-              <a:t>2017/1/24</a:t>
+              <a:t>2017/2/7</a:t>
             </a:fld>
             <a:endParaRPr kumimoji="1" lang="ja-JP" altLang="en-US"/>
           </a:p>
@@ -2992,7 +2992,7 @@
           <a:p>
             <a:fld id="{AA641DB4-C951-4763-94FC-F650C3AA7E65}" type="datetimeFigureOut">
               <a:rPr kumimoji="1" lang="ja-JP" altLang="en-US" smtClean="0"/>
-              <a:t>2017/1/24</a:t>
+              <a:t>2017/2/7</a:t>
             </a:fld>
             <a:endParaRPr kumimoji="1" lang="ja-JP" altLang="en-US"/>
           </a:p>
@@ -3237,7 +3237,7 @@
           <a:p>
             <a:fld id="{AA641DB4-C951-4763-94FC-F650C3AA7E65}" type="datetimeFigureOut">
               <a:rPr kumimoji="1" lang="ja-JP" altLang="en-US" smtClean="0"/>
-              <a:t>2017/1/24</a:t>
+              <a:t>2017/2/7</a:t>
             </a:fld>
             <a:endParaRPr kumimoji="1" lang="ja-JP" altLang="en-US"/>
           </a:p>
@@ -3819,18 +3819,7 @@
                   <a:ea typeface="メイリオ" panose="020B0604030504040204" pitchFamily="50" charset="-128"/>
                   <a:cs typeface="メイリオ" pitchFamily="50" charset="-128"/>
                 </a:rPr>
-                <a:t>  4</a:t>
-              </a:r>
-              <a:r>
-                <a:rPr lang="en-US" altLang="ja-JP" sz="2800" dirty="0" smtClean="0">
-                  <a:solidFill>
-                    <a:schemeClr val="tx1"/>
-                  </a:solidFill>
-                  <a:latin typeface="メイリオ" panose="020B0604030504040204" pitchFamily="50" charset="-128"/>
-                  <a:ea typeface="メイリオ" panose="020B0604030504040204" pitchFamily="50" charset="-128"/>
-                  <a:cs typeface="メイリオ" pitchFamily="50" charset="-128"/>
-                </a:rPr>
-                <a:t>. </a:t>
+                <a:t>  4. </a:t>
               </a:r>
               <a:r>
                 <a:rPr lang="en-US" altLang="ja-JP" sz="2800" dirty="0" err="1" smtClean="0">
@@ -4048,6 +4037,7 @@
           <a:prstGeom prst="rect">
             <a:avLst/>
           </a:prstGeom>
+          <a:noFill/>
           <a:ln>
             <a:noFill/>
             <a:headEnd type="none" w="med" len="med"/>
@@ -4163,6 +4153,7 @@
           <a:prstGeom prst="rect">
             <a:avLst/>
           </a:prstGeom>
+          <a:noFill/>
           <a:ln>
             <a:noFill/>
             <a:headEnd type="none" w="med" len="med"/>
@@ -4483,18 +4474,7 @@
                   <a:ea typeface="メイリオ" panose="020B0604030504040204" pitchFamily="50" charset="-128"/>
                   <a:cs typeface="メイリオ" pitchFamily="50" charset="-128"/>
                 </a:rPr>
-                <a:t>  3</a:t>
-              </a:r>
-              <a:r>
-                <a:rPr lang="en-US" altLang="ja-JP" sz="2800" dirty="0" smtClean="0">
-                  <a:solidFill>
-                    <a:schemeClr val="tx1"/>
-                  </a:solidFill>
-                  <a:latin typeface="メイリオ" panose="020B0604030504040204" pitchFamily="50" charset="-128"/>
-                  <a:ea typeface="メイリオ" panose="020B0604030504040204" pitchFamily="50" charset="-128"/>
-                  <a:cs typeface="メイリオ" pitchFamily="50" charset="-128"/>
-                </a:rPr>
-                <a:t>. exec()</a:t>
+                <a:t>  3. exec()</a:t>
               </a:r>
             </a:p>
             <a:p>
@@ -5074,18 +5054,7 @@
                   <a:ea typeface="メイリオ" panose="020B0604030504040204" pitchFamily="50" charset="-128"/>
                   <a:cs typeface="メイリオ" pitchFamily="50" charset="-128"/>
                 </a:rPr>
-                <a:t>  4</a:t>
-              </a:r>
-              <a:r>
-                <a:rPr lang="en-US" altLang="ja-JP" sz="2800" dirty="0" smtClean="0">
-                  <a:solidFill>
-                    <a:schemeClr val="tx1"/>
-                  </a:solidFill>
-                  <a:latin typeface="メイリオ" panose="020B0604030504040204" pitchFamily="50" charset="-128"/>
-                  <a:ea typeface="メイリオ" panose="020B0604030504040204" pitchFamily="50" charset="-128"/>
-                  <a:cs typeface="メイリオ" pitchFamily="50" charset="-128"/>
-                </a:rPr>
-                <a:t>. </a:t>
+                <a:t>  4. </a:t>
               </a:r>
               <a:r>
                 <a:rPr lang="en-US" altLang="ja-JP" sz="2800" dirty="0" err="1" smtClean="0">
@@ -5303,6 +5272,7 @@
           <a:prstGeom prst="rect">
             <a:avLst/>
           </a:prstGeom>
+          <a:noFill/>
           <a:ln>
             <a:noFill/>
             <a:headEnd type="none" w="med" len="med"/>
@@ -5380,6 +5350,7 @@
           <a:prstGeom prst="rect">
             <a:avLst/>
           </a:prstGeom>
+          <a:noFill/>
           <a:ln>
             <a:noFill/>
             <a:headEnd type="none" w="med" len="med"/>
@@ -5520,18 +5491,7 @@
                   <a:ea typeface="メイリオ" panose="020B0604030504040204" pitchFamily="50" charset="-128"/>
                   <a:cs typeface="メイリオ" pitchFamily="50" charset="-128"/>
                 </a:rPr>
-                <a:t>  1</a:t>
-              </a:r>
-              <a:r>
-                <a:rPr lang="en-US" altLang="ja-JP" sz="2800" dirty="0" smtClean="0">
-                  <a:solidFill>
-                    <a:schemeClr val="tx1"/>
-                  </a:solidFill>
-                  <a:latin typeface="メイリオ" panose="020B0604030504040204" pitchFamily="50" charset="-128"/>
-                  <a:ea typeface="メイリオ" panose="020B0604030504040204" pitchFamily="50" charset="-128"/>
-                  <a:cs typeface="メイリオ" pitchFamily="50" charset="-128"/>
-                </a:rPr>
-                <a:t>. </a:t>
+                <a:t>  1. </a:t>
               </a:r>
               <a:r>
                 <a:rPr lang="en-US" altLang="ja-JP" sz="2800" dirty="0" err="1" smtClean="0">
@@ -5577,18 +5537,7 @@
                   <a:ea typeface="メイリオ" panose="020B0604030504040204" pitchFamily="50" charset="-128"/>
                   <a:cs typeface="メイリオ" pitchFamily="50" charset="-128"/>
                 </a:rPr>
-                <a:t>  4</a:t>
-              </a:r>
-              <a:r>
-                <a:rPr lang="en-US" altLang="ja-JP" sz="2800" dirty="0" smtClean="0">
-                  <a:solidFill>
-                    <a:schemeClr val="tx1"/>
-                  </a:solidFill>
-                  <a:latin typeface="メイリオ" panose="020B0604030504040204" pitchFamily="50" charset="-128"/>
-                  <a:ea typeface="メイリオ" panose="020B0604030504040204" pitchFamily="50" charset="-128"/>
-                  <a:cs typeface="メイリオ" pitchFamily="50" charset="-128"/>
-                </a:rPr>
-                <a:t>. </a:t>
+                <a:t>  4. </a:t>
               </a:r>
               <a:r>
                 <a:rPr lang="en-US" altLang="ja-JP" sz="2800" dirty="0" err="1" smtClean="0">
@@ -5721,29 +5670,7 @@
                   <a:ea typeface="メイリオ" panose="020B0604030504040204" pitchFamily="50" charset="-128"/>
                   <a:cs typeface="メイリオ" pitchFamily="50" charset="-128"/>
                 </a:rPr>
-                <a:t>3. </a:t>
-              </a:r>
-              <a:r>
-                <a:rPr lang="en-US" altLang="ja-JP" sz="2800" dirty="0" smtClean="0">
-                  <a:solidFill>
-                    <a:schemeClr val="tx1"/>
-                  </a:solidFill>
-                  <a:latin typeface="メイリオ" panose="020B0604030504040204" pitchFamily="50" charset="-128"/>
-                  <a:ea typeface="メイリオ" panose="020B0604030504040204" pitchFamily="50" charset="-128"/>
-                  <a:cs typeface="メイリオ" pitchFamily="50" charset="-128"/>
-                </a:rPr>
-                <a:t>exec</a:t>
-              </a:r>
-              <a:r>
-                <a:rPr lang="en-US" altLang="ja-JP" sz="2800" dirty="0" smtClean="0">
-                  <a:solidFill>
-                    <a:schemeClr val="tx1"/>
-                  </a:solidFill>
-                  <a:latin typeface="メイリオ" panose="020B0604030504040204" pitchFamily="50" charset="-128"/>
-                  <a:ea typeface="メイリオ" panose="020B0604030504040204" pitchFamily="50" charset="-128"/>
-                  <a:cs typeface="メイリオ" pitchFamily="50" charset="-128"/>
-                </a:rPr>
-                <a:t>()</a:t>
+                <a:t>3. exec()</a:t>
               </a:r>
               <a:endParaRPr lang="en-US" altLang="ja-JP" sz="2800" dirty="0">
                 <a:solidFill>
